--- a/EthicsBSSE1115BSSE1129.pptx
+++ b/EthicsBSSE1115BSSE1129.pptx
@@ -19,6 +19,7 @@
     <p:sldId id="268" r:id="rId13"/>
     <p:sldId id="266" r:id="rId14"/>
     <p:sldId id="269" r:id="rId15"/>
+    <p:sldId id="270" r:id="rId16"/>
   </p:sldIdLst>
   <p:sldSz cx="12192000" cy="6858000"/>
   <p:notesSz cx="6858000" cy="9144000"/>
@@ -117,6 +118,11 @@
       </a:defRPr>
     </a:lvl9pPr>
   </p:defaultTextStyle>
+  <p:extLst>
+    <p:ext uri="{EFAFB233-063F-42B5-8137-9DF3F51BA10A}">
+      <p15:sldGuideLst xmlns:p15="http://schemas.microsoft.com/office/powerpoint/2012/main"/>
+    </p:ext>
+  </p:extLst>
 </p:presentation>
 </file>
 
@@ -253,7 +259,7 @@
           <a:p>
             <a:fld id="{93A7F2A6-BE37-40D7-A049-78BACFB29036}" type="datetimeFigureOut">
               <a:rPr lang="en-US" smtClean="0"/>
-              <a:t>4/2/2022</a:t>
+              <a:t>4/3/2022</a:t>
             </a:fld>
             <a:endParaRPr lang="en-US"/>
           </a:p>
@@ -540,7 +546,7 @@
           <a:p>
             <a:fld id="{93A7F2A6-BE37-40D7-A049-78BACFB29036}" type="datetimeFigureOut">
               <a:rPr lang="en-US" smtClean="0"/>
-              <a:t>4/2/2022</a:t>
+              <a:t>4/3/2022</a:t>
             </a:fld>
             <a:endParaRPr lang="en-US"/>
           </a:p>
@@ -732,7 +738,7 @@
           <a:p>
             <a:fld id="{93A7F2A6-BE37-40D7-A049-78BACFB29036}" type="datetimeFigureOut">
               <a:rPr lang="en-US" smtClean="0"/>
-              <a:t>4/2/2022</a:t>
+              <a:t>4/3/2022</a:t>
             </a:fld>
             <a:endParaRPr lang="en-US"/>
           </a:p>
@@ -993,7 +999,7 @@
           <a:p>
             <a:fld id="{93A7F2A6-BE37-40D7-A049-78BACFB29036}" type="datetimeFigureOut">
               <a:rPr lang="en-US" smtClean="0"/>
-              <a:t>4/2/2022</a:t>
+              <a:t>4/3/2022</a:t>
             </a:fld>
             <a:endParaRPr lang="en-US"/>
           </a:p>
@@ -1417,7 +1423,7 @@
           <a:p>
             <a:fld id="{93A7F2A6-BE37-40D7-A049-78BACFB29036}" type="datetimeFigureOut">
               <a:rPr lang="en-US" smtClean="0"/>
-              <a:t>4/2/2022</a:t>
+              <a:t>4/3/2022</a:t>
             </a:fld>
             <a:endParaRPr lang="en-US"/>
           </a:p>
@@ -1963,7 +1969,7 @@
           <a:p>
             <a:fld id="{93A7F2A6-BE37-40D7-A049-78BACFB29036}" type="datetimeFigureOut">
               <a:rPr lang="en-US" smtClean="0"/>
-              <a:t>4/2/2022</a:t>
+              <a:t>4/3/2022</a:t>
             </a:fld>
             <a:endParaRPr lang="en-US"/>
           </a:p>
@@ -2803,7 +2809,7 @@
           <a:p>
             <a:fld id="{93A7F2A6-BE37-40D7-A049-78BACFB29036}" type="datetimeFigureOut">
               <a:rPr lang="en-US" smtClean="0"/>
-              <a:t>4/2/2022</a:t>
+              <a:t>4/3/2022</a:t>
             </a:fld>
             <a:endParaRPr lang="en-US"/>
           </a:p>
@@ -2973,7 +2979,7 @@
           <a:p>
             <a:fld id="{93A7F2A6-BE37-40D7-A049-78BACFB29036}" type="datetimeFigureOut">
               <a:rPr lang="en-US" smtClean="0"/>
-              <a:t>4/2/2022</a:t>
+              <a:t>4/3/2022</a:t>
             </a:fld>
             <a:endParaRPr lang="en-US"/>
           </a:p>
@@ -3157,7 +3163,7 @@
           <a:p>
             <a:fld id="{93A7F2A6-BE37-40D7-A049-78BACFB29036}" type="datetimeFigureOut">
               <a:rPr lang="en-US" smtClean="0"/>
-              <a:t>4/2/2022</a:t>
+              <a:t>4/3/2022</a:t>
             </a:fld>
             <a:endParaRPr lang="en-US"/>
           </a:p>
@@ -3327,7 +3333,7 @@
           <a:p>
             <a:fld id="{93A7F2A6-BE37-40D7-A049-78BACFB29036}" type="datetimeFigureOut">
               <a:rPr lang="en-US" smtClean="0"/>
-              <a:t>4/2/2022</a:t>
+              <a:t>4/3/2022</a:t>
             </a:fld>
             <a:endParaRPr lang="en-US"/>
           </a:p>
@@ -3575,7 +3581,7 @@
           <a:p>
             <a:fld id="{93A7F2A6-BE37-40D7-A049-78BACFB29036}" type="datetimeFigureOut">
               <a:rPr lang="en-US" smtClean="0"/>
-              <a:t>4/2/2022</a:t>
+              <a:t>4/3/2022</a:t>
             </a:fld>
             <a:endParaRPr lang="en-US"/>
           </a:p>
@@ -3812,7 +3818,7 @@
           <a:p>
             <a:fld id="{93A7F2A6-BE37-40D7-A049-78BACFB29036}" type="datetimeFigureOut">
               <a:rPr lang="en-US" smtClean="0"/>
-              <a:t>4/2/2022</a:t>
+              <a:t>4/3/2022</a:t>
             </a:fld>
             <a:endParaRPr lang="en-US"/>
           </a:p>
@@ -4185,7 +4191,7 @@
           <a:p>
             <a:fld id="{93A7F2A6-BE37-40D7-A049-78BACFB29036}" type="datetimeFigureOut">
               <a:rPr lang="en-US" smtClean="0"/>
-              <a:t>4/2/2022</a:t>
+              <a:t>4/3/2022</a:t>
             </a:fld>
             <a:endParaRPr lang="en-US"/>
           </a:p>
@@ -4303,7 +4309,7 @@
           <a:p>
             <a:fld id="{93A7F2A6-BE37-40D7-A049-78BACFB29036}" type="datetimeFigureOut">
               <a:rPr lang="en-US" smtClean="0"/>
-              <a:t>4/2/2022</a:t>
+              <a:t>4/3/2022</a:t>
             </a:fld>
             <a:endParaRPr lang="en-US"/>
           </a:p>
@@ -4398,7 +4404,7 @@
           <a:p>
             <a:fld id="{93A7F2A6-BE37-40D7-A049-78BACFB29036}" type="datetimeFigureOut">
               <a:rPr lang="en-US" smtClean="0"/>
-              <a:t>4/2/2022</a:t>
+              <a:t>4/3/2022</a:t>
             </a:fld>
             <a:endParaRPr lang="en-US"/>
           </a:p>
@@ -4649,7 +4655,7 @@
           <a:p>
             <a:fld id="{93A7F2A6-BE37-40D7-A049-78BACFB29036}" type="datetimeFigureOut">
               <a:rPr lang="en-US" smtClean="0"/>
-              <a:t>4/2/2022</a:t>
+              <a:t>4/3/2022</a:t>
             </a:fld>
             <a:endParaRPr lang="en-US"/>
           </a:p>
@@ -4936,7 +4942,7 @@
           <a:p>
             <a:fld id="{93A7F2A6-BE37-40D7-A049-78BACFB29036}" type="datetimeFigureOut">
               <a:rPr lang="en-US" smtClean="0"/>
-              <a:t>4/2/2022</a:t>
+              <a:t>4/3/2022</a:t>
             </a:fld>
             <a:endParaRPr lang="en-US"/>
           </a:p>
@@ -5149,7 +5155,7 @@
           <a:p>
             <a:fld id="{93A7F2A6-BE37-40D7-A049-78BACFB29036}" type="datetimeFigureOut">
               <a:rPr lang="en-US" smtClean="0"/>
-              <a:t>4/2/2022</a:t>
+              <a:t>4/3/2022</a:t>
             </a:fld>
             <a:endParaRPr lang="en-US"/>
           </a:p>
@@ -5735,6 +5741,13 @@
   <p:clrMapOvr>
     <a:masterClrMapping/>
   </p:clrMapOvr>
+  <p:timing>
+    <p:tnLst>
+      <p:par>
+        <p:cTn id="1" dur="indefinite" restart="never" nodeType="tmRoot"/>
+      </p:par>
+    </p:tnLst>
+  </p:timing>
 </p:sld>
 </file>
 
@@ -5813,6 +5826,13 @@
   <p:clrMapOvr>
     <a:masterClrMapping/>
   </p:clrMapOvr>
+  <p:timing>
+    <p:tnLst>
+      <p:par>
+        <p:cTn id="1" dur="indefinite" restart="never" nodeType="tmRoot"/>
+      </p:par>
+    </p:tnLst>
+  </p:timing>
 </p:sld>
 </file>
 
@@ -5850,11 +5870,7 @@
           <a:p>
             <a:r>
               <a:rPr lang="en-US"/>
-              <a:t>Question </a:t>
-            </a:r>
-            <a:r>
-              <a:rPr lang="en-US"/>
-              <a:t>2</a:t>
+              <a:t>Question 2</a:t>
             </a:r>
           </a:p>
         </p:txBody>
@@ -5891,6 +5907,13 @@
   <p:clrMapOvr>
     <a:masterClrMapping/>
   </p:clrMapOvr>
+  <p:timing>
+    <p:tnLst>
+      <p:par>
+        <p:cTn id="1" dur="indefinite" restart="never" nodeType="tmRoot"/>
+      </p:par>
+    </p:tnLst>
+  </p:timing>
 </p:sld>
 </file>
 
@@ -5969,6 +5992,13 @@
   <p:clrMapOvr>
     <a:masterClrMapping/>
   </p:clrMapOvr>
+  <p:timing>
+    <p:tnLst>
+      <p:par>
+        <p:cTn id="1" dur="indefinite" restart="never" nodeType="tmRoot"/>
+      </p:par>
+    </p:tnLst>
+  </p:timing>
 </p:sld>
 </file>
 
@@ -6053,6 +6083,13 @@
   <p:clrMapOvr>
     <a:masterClrMapping/>
   </p:clrMapOvr>
+  <p:timing>
+    <p:tnLst>
+      <p:par>
+        <p:cTn id="1" dur="indefinite" restart="never" nodeType="tmRoot"/>
+      </p:par>
+    </p:tnLst>
+  </p:timing>
 </p:sld>
 </file>
 
@@ -6136,6 +6173,87 @@
   <p:clrMapOvr>
     <a:masterClrMapping/>
   </p:clrMapOvr>
+  <p:timing>
+    <p:tnLst>
+      <p:par>
+        <p:cTn id="1" dur="indefinite" restart="never" nodeType="tmRoot"/>
+      </p:par>
+    </p:tnLst>
+  </p:timing>
+</p:sld>
+</file>
+
+<file path=ppt/slides/slide15.xml><?xml version="1.0" encoding="utf-8"?>
+<p:sld xmlns:a="http://schemas.openxmlformats.org/drawingml/2006/main" xmlns:r="http://schemas.openxmlformats.org/officeDocument/2006/relationships" xmlns:p="http://schemas.openxmlformats.org/presentationml/2006/main">
+  <p:cSld>
+    <p:spTree>
+      <p:nvGrpSpPr>
+        <p:cNvPr id="1" name=""/>
+        <p:cNvGrpSpPr/>
+        <p:nvPr/>
+      </p:nvGrpSpPr>
+      <p:grpSpPr>
+        <a:xfrm>
+          <a:off x="0" y="0"/>
+          <a:ext cx="0" cy="0"/>
+          <a:chOff x="0" y="0"/>
+          <a:chExt cx="0" cy="0"/>
+        </a:xfrm>
+      </p:grpSpPr>
+      <p:sp>
+        <p:nvSpPr>
+          <p:cNvPr id="5" name="Content Placeholder 4"/>
+          <p:cNvSpPr>
+            <a:spLocks noGrp="1"/>
+          </p:cNvSpPr>
+          <p:nvPr>
+            <p:ph idx="1"/>
+          </p:nvPr>
+        </p:nvSpPr>
+        <p:spPr>
+          <a:xfrm>
+            <a:off x="3125337" y="2447545"/>
+            <a:ext cx="6032312" cy="1796910"/>
+          </a:xfrm>
+        </p:spPr>
+        <p:txBody>
+          <a:bodyPr>
+            <a:noAutofit/>
+          </a:bodyPr>
+          <a:lstStyle/>
+          <a:p>
+            <a:pPr marL="0" indent="0">
+              <a:buNone/>
+            </a:pPr>
+            <a:r>
+              <a:rPr lang="en-US" sz="7200" smtClean="0">
+                <a:latin typeface="Bodoni MT Black" panose="02070A03080606020203" pitchFamily="18" charset="0"/>
+              </a:rPr>
+              <a:t>Thank You</a:t>
+            </a:r>
+            <a:endParaRPr lang="en-US" sz="7200">
+              <a:latin typeface="Bodoni MT Black" panose="02070A03080606020203" pitchFamily="18" charset="0"/>
+            </a:endParaRPr>
+          </a:p>
+        </p:txBody>
+      </p:sp>
+    </p:spTree>
+    <p:extLst>
+      <p:ext uri="{BB962C8B-B14F-4D97-AF65-F5344CB8AC3E}">
+        <p14:creationId xmlns:p14="http://schemas.microsoft.com/office/powerpoint/2010/main" val="1965359956"/>
+      </p:ext>
+    </p:extLst>
+  </p:cSld>
+  <p:clrMapOvr>
+    <a:masterClrMapping/>
+  </p:clrMapOvr>
+  <p:timing>
+    <p:tnLst>
+      <p:par>
+        <p:cTn id="1" dur="indefinite" restart="never" nodeType="tmRoot"/>
+      </p:par>
+    </p:tnLst>
+  </p:timing>
 </p:sld>
 </file>
 
@@ -6169,7 +6287,7 @@
         <p:spPr/>
         <p:txBody>
           <a:bodyPr>
-            <a:normAutofit/>
+            <a:normAutofit lnSpcReduction="10000"/>
           </a:bodyPr>
           <a:lstStyle/>
           <a:p>
@@ -6335,6 +6453,13 @@
   <p:clrMapOvr>
     <a:masterClrMapping/>
   </p:clrMapOvr>
+  <p:timing>
+    <p:tnLst>
+      <p:par>
+        <p:cTn id="1" dur="indefinite" restart="never" nodeType="tmRoot"/>
+      </p:par>
+    </p:tnLst>
+  </p:timing>
 </p:sld>
 </file>
 
@@ -6395,11 +6520,7 @@
           <a:p>
             <a:r>
               <a:rPr lang="en-US"/>
-              <a:t>InterSystems is a privately held software development firm with recent sales revenue of $446 million. The company is headquartered in Cambridge, Massachusetts, with offices in 25 countries </a:t>
-            </a:r>
-            <a:r>
-              <a:rPr lang="en-US"/>
-              <a:t>worldwide</a:t>
+              <a:t>InterSystems is a privately held software development firm with recent sales revenue of $446 million. The company is headquartered in Cambridge, Massachusetts, with offices in 25 countries worldwide</a:t>
             </a:r>
             <a:r>
               <a:rPr lang="en-US" smtClean="0"/>
@@ -6419,6 +6540,13 @@
   <p:clrMapOvr>
     <a:masterClrMapping/>
   </p:clrMapOvr>
+  <p:timing>
+    <p:tnLst>
+      <p:par>
+        <p:cTn id="1" dur="indefinite" restart="never" nodeType="tmRoot"/>
+      </p:par>
+    </p:tnLst>
+  </p:timing>
 </p:sld>
 </file>
 
@@ -6479,27 +6607,15 @@
           <a:p>
             <a:r>
               <a:rPr lang="en-US"/>
-              <a:t>InterSystems </a:t>
+              <a:t>InterSystems became </a:t>
+            </a:r>
+            <a:r>
+              <a:rPr lang="en-US" smtClean="0"/>
+              <a:t>ISO </a:t>
             </a:r>
             <a:r>
               <a:rPr lang="en-US"/>
-              <a:t>became </a:t>
-            </a:r>
-            <a:r>
-              <a:rPr lang="en-US" smtClean="0"/>
-              <a:t>ISO </a:t>
-            </a:r>
-            <a:r>
-              <a:rPr lang="en-US"/>
-              <a:t>9001:2008 certified </a:t>
-            </a:r>
-            <a:r>
-              <a:rPr lang="en-US"/>
-              <a:t>for </a:t>
-            </a:r>
-            <a:r>
-              <a:rPr lang="en-US"/>
-              <a:t>all processes related to product and service creation in connection with two of its primary products: Caché and Ensemble</a:t>
+              <a:t>9001:2008 certified for all processes related to product and service creation in connection with two of its primary products: Caché and Ensemble</a:t>
             </a:r>
           </a:p>
         </p:txBody>
@@ -6514,6 +6630,13 @@
   <p:clrMapOvr>
     <a:masterClrMapping/>
   </p:clrMapOvr>
+  <p:timing>
+    <p:tnLst>
+      <p:par>
+        <p:cTn id="1" dur="indefinite" restart="never" nodeType="tmRoot"/>
+      </p:par>
+    </p:tnLst>
+  </p:timing>
 </p:sld>
 </file>
 
@@ -6589,6 +6712,13 @@
   <p:clrMapOvr>
     <a:masterClrMapping/>
   </p:clrMapOvr>
+  <p:timing>
+    <p:tnLst>
+      <p:par>
+        <p:cTn id="1" dur="indefinite" restart="never" nodeType="tmRoot"/>
+      </p:par>
+    </p:tnLst>
+  </p:timing>
 </p:sld>
 </file>
 
@@ -6663,6 +6793,13 @@
   <p:clrMapOvr>
     <a:masterClrMapping/>
   </p:clrMapOvr>
+  <p:timing>
+    <p:tnLst>
+      <p:par>
+        <p:cTn id="1" dur="indefinite" restart="never" nodeType="tmRoot"/>
+      </p:par>
+    </p:tnLst>
+  </p:timing>
 </p:sld>
 </file>
 
@@ -6740,6 +6877,13 @@
   <p:clrMapOvr>
     <a:masterClrMapping/>
   </p:clrMapOvr>
+  <p:timing>
+    <p:tnLst>
+      <p:par>
+        <p:cTn id="1" dur="indefinite" restart="never" nodeType="tmRoot"/>
+      </p:par>
+    </p:tnLst>
+  </p:timing>
 </p:sld>
 </file>
 
@@ -6798,6 +6942,13 @@
   <p:clrMapOvr>
     <a:masterClrMapping/>
   </p:clrMapOvr>
+  <p:timing>
+    <p:tnLst>
+      <p:par>
+        <p:cTn id="1" dur="indefinite" restart="never" nodeType="tmRoot"/>
+      </p:par>
+    </p:tnLst>
+  </p:timing>
 </p:sld>
 </file>
 
@@ -6873,6 +7024,13 @@
   <p:clrMapOvr>
     <a:masterClrMapping/>
   </p:clrMapOvr>
+  <p:timing>
+    <p:tnLst>
+      <p:par>
+        <p:cTn id="1" dur="indefinite" restart="never" nodeType="tmRoot"/>
+      </p:par>
+    </p:tnLst>
+  </p:timing>
 </p:sld>
 </file>
 
